--- a/chapter 2/atmos_5040_012319.pptx
+++ b/chapter 2/atmos_5040_012319.pptx
@@ -5,7 +5,7 @@
     <p:sldMasterId id="2147484874" r:id="rId1"/>
   </p:sldMasterIdLst>
   <p:notesMasterIdLst>
-    <p:notesMasterId r:id="rId7"/>
+    <p:notesMasterId r:id="rId8"/>
   </p:notesMasterIdLst>
   <p:sldIdLst>
     <p:sldId id="500" r:id="rId2"/>
@@ -13,6 +13,7 @@
     <p:sldId id="492" r:id="rId4"/>
     <p:sldId id="493" r:id="rId5"/>
     <p:sldId id="499" r:id="rId6"/>
+    <p:sldId id="501" r:id="rId7"/>
   </p:sldIdLst>
   <p:sldSz cx="9144000" cy="6858000" type="screen4x3"/>
   <p:notesSz cx="6858000" cy="9144000"/>
@@ -215,6 +216,45 @@
             <ac:picMk id="6" creationId="{99C49EE6-7A93-47D7-9121-CB2DA5FEF30A}"/>
           </ac:picMkLst>
         </pc:picChg>
+      </pc:sldChg>
+    </pc:docChg>
+  </pc:docChgLst>
+  <pc:docChgLst>
+    <pc:chgData name="john horel" userId="dbce9a27b0320e5e" providerId="LiveId" clId="{28D13BA7-7098-4613-BE9B-0E3602175306}"/>
+    <pc:docChg chg="addSld modSld">
+      <pc:chgData name="john horel" userId="dbce9a27b0320e5e" providerId="LiveId" clId="{28D13BA7-7098-4613-BE9B-0E3602175306}" dt="2019-01-23T18:24:01.247" v="110" actId="20577"/>
+      <pc:docMkLst>
+        <pc:docMk/>
+      </pc:docMkLst>
+      <pc:sldChg chg="modSp">
+        <pc:chgData name="john horel" userId="dbce9a27b0320e5e" providerId="LiveId" clId="{28D13BA7-7098-4613-BE9B-0E3602175306}" dt="2019-01-23T18:24:01.247" v="110" actId="20577"/>
+        <pc:sldMkLst>
+          <pc:docMk/>
+          <pc:sldMk cId="3046176137" sldId="492"/>
+        </pc:sldMkLst>
+        <pc:spChg chg="mod">
+          <ac:chgData name="john horel" userId="dbce9a27b0320e5e" providerId="LiveId" clId="{28D13BA7-7098-4613-BE9B-0E3602175306}" dt="2019-01-23T18:24:01.247" v="110" actId="20577"/>
+          <ac:spMkLst>
+            <pc:docMk/>
+            <pc:sldMk cId="3046176137" sldId="492"/>
+            <ac:spMk id="3" creationId="{00000000-0000-0000-0000-000000000000}"/>
+          </ac:spMkLst>
+        </pc:spChg>
+      </pc:sldChg>
+      <pc:sldChg chg="modSp add">
+        <pc:chgData name="john horel" userId="dbce9a27b0320e5e" providerId="LiveId" clId="{28D13BA7-7098-4613-BE9B-0E3602175306}" dt="2019-01-23T18:21:06.059" v="23" actId="20577"/>
+        <pc:sldMkLst>
+          <pc:docMk/>
+          <pc:sldMk cId="3658402943" sldId="501"/>
+        </pc:sldMkLst>
+        <pc:spChg chg="mod">
+          <ac:chgData name="john horel" userId="dbce9a27b0320e5e" providerId="LiveId" clId="{28D13BA7-7098-4613-BE9B-0E3602175306}" dt="2019-01-23T18:21:06.059" v="23" actId="20577"/>
+          <ac:spMkLst>
+            <pc:docMk/>
+            <pc:sldMk cId="3658402943" sldId="501"/>
+            <ac:spMk id="2" creationId="{9B5CAA73-8427-4A40-8127-FFFF991BDCDD}"/>
+          </ac:spMkLst>
+        </pc:spChg>
       </pc:sldChg>
     </pc:docChg>
   </pc:docChgLst>
@@ -4399,6 +4439,12 @@
           <a:p>
             <a:r>
               <a:rPr lang="en-US" dirty="0"/>
+              <a:t>You will need to go through and update the titles for each figure to include your name</a:t>
+            </a:r>
+          </a:p>
+          <a:p>
+            <a:r>
+              <a:rPr lang="en-US" dirty="0"/>
               <a:t>If not, let me know!</a:t>
             </a:r>
           </a:p>
@@ -4629,6 +4675,89 @@
     <p:extLst>
       <p:ext uri="{BB962C8B-B14F-4D97-AF65-F5344CB8AC3E}">
         <p14:creationId xmlns:p14="http://schemas.microsoft.com/office/powerpoint/2010/main" val="4007676917"/>
+      </p:ext>
+    </p:extLst>
+  </p:cSld>
+  <p:clrMapOvr>
+    <a:masterClrMapping/>
+  </p:clrMapOvr>
+</p:sld>
+</file>
+
+<file path=ppt/slides/slide6.xml><?xml version="1.0" encoding="utf-8"?>
+<p:sld xmlns:a="http://schemas.openxmlformats.org/drawingml/2006/main" xmlns:r="http://schemas.openxmlformats.org/officeDocument/2006/relationships" xmlns:p="http://schemas.openxmlformats.org/presentationml/2006/main">
+  <p:cSld>
+    <p:spTree>
+      <p:nvGrpSpPr>
+        <p:cNvPr id="1" name=""/>
+        <p:cNvGrpSpPr/>
+        <p:nvPr/>
+      </p:nvGrpSpPr>
+      <p:grpSpPr>
+        <a:xfrm>
+          <a:off x="0" y="0"/>
+          <a:ext cx="0" cy="0"/>
+          <a:chOff x="0" y="0"/>
+          <a:chExt cx="0" cy="0"/>
+        </a:xfrm>
+      </p:grpSpPr>
+      <p:sp>
+        <p:nvSpPr>
+          <p:cNvPr id="2" name="Title 1">
+            <a:extLst>
+              <a:ext uri="{FF2B5EF4-FFF2-40B4-BE49-F238E27FC236}">
+                <a16:creationId xmlns:a16="http://schemas.microsoft.com/office/drawing/2014/main" id="{9B5CAA73-8427-4A40-8127-FFFF991BDCDD}"/>
+              </a:ext>
+            </a:extLst>
+          </p:cNvPr>
+          <p:cNvSpPr>
+            <a:spLocks noGrp="1"/>
+          </p:cNvSpPr>
+          <p:nvPr>
+            <p:ph type="title"/>
+          </p:nvPr>
+        </p:nvSpPr>
+        <p:spPr/>
+        <p:txBody>
+          <a:bodyPr/>
+          <a:lstStyle/>
+          <a:p>
+            <a:r>
+              <a:rPr lang="en-US" dirty="0"/>
+              <a:t>Class Monday in WBB 820</a:t>
+            </a:r>
+          </a:p>
+        </p:txBody>
+      </p:sp>
+      <p:sp>
+        <p:nvSpPr>
+          <p:cNvPr id="3" name="Content Placeholder 2">
+            <a:extLst>
+              <a:ext uri="{FF2B5EF4-FFF2-40B4-BE49-F238E27FC236}">
+                <a16:creationId xmlns:a16="http://schemas.microsoft.com/office/drawing/2014/main" id="{995E03E3-8B14-45C1-9DE9-8018867DC1A1}"/>
+              </a:ext>
+            </a:extLst>
+          </p:cNvPr>
+          <p:cNvSpPr>
+            <a:spLocks noGrp="1"/>
+          </p:cNvSpPr>
+          <p:nvPr>
+            <p:ph idx="1"/>
+          </p:nvPr>
+        </p:nvSpPr>
+        <p:spPr/>
+        <p:txBody>
+          <a:bodyPr/>
+          <a:lstStyle/>
+          <a:p>
+            <a:endParaRPr lang="en-US"/>
+          </a:p>
+        </p:txBody>
+      </p:sp>
+    </p:spTree>
+    <p:extLst>
+      <p:ext uri="{BB962C8B-B14F-4D97-AF65-F5344CB8AC3E}">
+        <p14:creationId xmlns:p14="http://schemas.microsoft.com/office/powerpoint/2010/main" val="3658402943"/>
       </p:ext>
     </p:extLst>
   </p:cSld>
